--- a/HighCondRepresentativeModelTests/HighCondModels_CommonInputs/Output/Plots/SDprox1PoolSchematic.pptx
+++ b/HighCondRepresentativeModelTests/HighCondModels_CommonInputs/Output/Plots/SDprox1PoolSchematic.pptx
@@ -106,7 +106,7 @@
   </p:defaultTextStyle>
   <p:extLst>
     <p:ext uri="{EFAFB233-063F-42B5-8137-9DF3F51BA10A}">
-      <p15:sldGuideLst xmlns:p15="http://schemas.microsoft.com/office/powerpoint/2012/main"/>
+      <p15:sldGuideLst xmlns:p15="http://schemas.microsoft.com/office/powerpoint/2012/main" xmlns=""/>
     </p:ext>
   </p:extLst>
 </p:presentation>
@@ -243,7 +243,7 @@
           <a:p>
             <a:fld id="{13B4EEC1-59A0-6147-A616-EE74AE21FFF0}" type="datetimeFigureOut">
               <a:rPr lang="en-US" smtClean="0"/>
-              <a:t>9/6/17</a:t>
+              <a:t>2/1/2018</a:t>
             </a:fld>
             <a:endParaRPr lang="en-US"/>
           </a:p>
@@ -408,7 +408,7 @@
           <a:p>
             <a:fld id="{13B4EEC1-59A0-6147-A616-EE74AE21FFF0}" type="datetimeFigureOut">
               <a:rPr lang="en-US" smtClean="0"/>
-              <a:t>9/6/17</a:t>
+              <a:t>2/1/2018</a:t>
             </a:fld>
             <a:endParaRPr lang="en-US"/>
           </a:p>
@@ -583,7 +583,7 @@
           <a:p>
             <a:fld id="{13B4EEC1-59A0-6147-A616-EE74AE21FFF0}" type="datetimeFigureOut">
               <a:rPr lang="en-US" smtClean="0"/>
-              <a:t>9/6/17</a:t>
+              <a:t>2/1/2018</a:t>
             </a:fld>
             <a:endParaRPr lang="en-US"/>
           </a:p>
@@ -748,7 +748,7 @@
           <a:p>
             <a:fld id="{13B4EEC1-59A0-6147-A616-EE74AE21FFF0}" type="datetimeFigureOut">
               <a:rPr lang="en-US" smtClean="0"/>
-              <a:t>9/6/17</a:t>
+              <a:t>2/1/2018</a:t>
             </a:fld>
             <a:endParaRPr lang="en-US"/>
           </a:p>
@@ -987,7 +987,7 @@
           <a:p>
             <a:fld id="{13B4EEC1-59A0-6147-A616-EE74AE21FFF0}" type="datetimeFigureOut">
               <a:rPr lang="en-US" smtClean="0"/>
-              <a:t>9/6/17</a:t>
+              <a:t>2/1/2018</a:t>
             </a:fld>
             <a:endParaRPr lang="en-US"/>
           </a:p>
@@ -1214,7 +1214,7 @@
           <a:p>
             <a:fld id="{13B4EEC1-59A0-6147-A616-EE74AE21FFF0}" type="datetimeFigureOut">
               <a:rPr lang="en-US" smtClean="0"/>
-              <a:t>9/6/17</a:t>
+              <a:t>2/1/2018</a:t>
             </a:fld>
             <a:endParaRPr lang="en-US"/>
           </a:p>
@@ -1576,7 +1576,7 @@
           <a:p>
             <a:fld id="{13B4EEC1-59A0-6147-A616-EE74AE21FFF0}" type="datetimeFigureOut">
               <a:rPr lang="en-US" smtClean="0"/>
-              <a:t>9/6/17</a:t>
+              <a:t>2/1/2018</a:t>
             </a:fld>
             <a:endParaRPr lang="en-US"/>
           </a:p>
@@ -1689,7 +1689,7 @@
           <a:p>
             <a:fld id="{13B4EEC1-59A0-6147-A616-EE74AE21FFF0}" type="datetimeFigureOut">
               <a:rPr lang="en-US" smtClean="0"/>
-              <a:t>9/6/17</a:t>
+              <a:t>2/1/2018</a:t>
             </a:fld>
             <a:endParaRPr lang="en-US"/>
           </a:p>
@@ -1779,7 +1779,7 @@
           <a:p>
             <a:fld id="{13B4EEC1-59A0-6147-A616-EE74AE21FFF0}" type="datetimeFigureOut">
               <a:rPr lang="en-US" smtClean="0"/>
-              <a:t>9/6/17</a:t>
+              <a:t>2/1/2018</a:t>
             </a:fld>
             <a:endParaRPr lang="en-US"/>
           </a:p>
@@ -2051,7 +2051,7 @@
           <a:p>
             <a:fld id="{13B4EEC1-59A0-6147-A616-EE74AE21FFF0}" type="datetimeFigureOut">
               <a:rPr lang="en-US" smtClean="0"/>
-              <a:t>9/6/17</a:t>
+              <a:t>2/1/2018</a:t>
             </a:fld>
             <a:endParaRPr lang="en-US"/>
           </a:p>
@@ -2303,7 +2303,7 @@
           <a:p>
             <a:fld id="{13B4EEC1-59A0-6147-A616-EE74AE21FFF0}" type="datetimeFigureOut">
               <a:rPr lang="en-US" smtClean="0"/>
-              <a:t>9/6/17</a:t>
+              <a:t>2/1/2018</a:t>
             </a:fld>
             <a:endParaRPr lang="en-US"/>
           </a:p>
@@ -2511,7 +2511,7 @@
           <a:p>
             <a:fld id="{13B4EEC1-59A0-6147-A616-EE74AE21FFF0}" type="datetimeFigureOut">
               <a:rPr lang="en-US" smtClean="0"/>
-              <a:t>9/6/17</a:t>
+              <a:t>2/1/2018</a:t>
             </a:fld>
             <a:endParaRPr lang="en-US"/>
           </a:p>
@@ -3738,14 +3738,14 @@
       </p:sp>
       <p:sp>
         <p:nvSpPr>
-          <p:cNvPr id="3" name="TextBox 2"/>
+          <p:cNvPr id="55" name="TextBox 54"/>
           <p:cNvSpPr txBox="1"/>
           <p:nvPr/>
         </p:nvSpPr>
         <p:spPr>
           <a:xfrm>
-            <a:off x="10293890" y="-249446"/>
-            <a:ext cx="8238474" cy="1034579"/>
+            <a:off x="9028117" y="3754600"/>
+            <a:ext cx="4042197" cy="830997"/>
           </a:xfrm>
           <a:prstGeom prst="rect">
             <a:avLst/>
@@ -3758,24 +3758,24 @@
           </a:bodyPr>
           <a:lstStyle/>
           <a:p>
-            <a:r>
-              <a:rPr lang="en-US" b="1" dirty="0" smtClean="0"/>
-              <a:t>High Excitatory Synapses</a:t>
-            </a:r>
-            <a:endParaRPr lang="en-US" b="1" dirty="0"/>
-          </a:p>
-        </p:txBody>
-      </p:sp>
-      <p:sp>
-        <p:nvSpPr>
-          <p:cNvPr id="52" name="TextBox 51"/>
+            <a:pPr algn="ctr"/>
+            <a:r>
+              <a:rPr lang="en-US" sz="4800" b="1" dirty="0" smtClean="0"/>
+              <a:t>None Available</a:t>
+            </a:r>
+          </a:p>
+        </p:txBody>
+      </p:sp>
+      <p:sp>
+        <p:nvSpPr>
+          <p:cNvPr id="56" name="TextBox 55"/>
           <p:cNvSpPr txBox="1"/>
           <p:nvPr/>
         </p:nvSpPr>
         <p:spPr>
           <a:xfrm>
-            <a:off x="10365078" y="27685290"/>
-            <a:ext cx="8095037" cy="1034579"/>
+            <a:off x="7629531" y="8282404"/>
+            <a:ext cx="6586867" cy="4524315"/>
           </a:xfrm>
           <a:prstGeom prst="rect">
             <a:avLst/>
@@ -3788,24 +3788,65 @@
           </a:bodyPr>
           <a:lstStyle/>
           <a:p>
-            <a:r>
-              <a:rPr lang="en-US" b="1" dirty="0" smtClean="0"/>
-              <a:t>Low Excitatory Synapses</a:t>
-            </a:r>
-            <a:endParaRPr lang="en-US" b="1" dirty="0"/>
-          </a:p>
-        </p:txBody>
-      </p:sp>
-      <p:sp>
-        <p:nvSpPr>
-          <p:cNvPr id="53" name="TextBox 52"/>
+            <a:pPr algn="ctr"/>
+            <a:endParaRPr lang="en-US" sz="4800" b="1" dirty="0"/>
+          </a:p>
+          <a:p>
+            <a:pPr algn="ctr"/>
+            <a:r>
+              <a:rPr lang="en-US" sz="4800" b="1" dirty="0"/>
+              <a:t>1098 Excitatory Synapses</a:t>
+            </a:r>
+            <a:endParaRPr lang="en-US" sz="4800" b="1" dirty="0" smtClean="0"/>
+          </a:p>
+          <a:p>
+            <a:pPr algn="ctr"/>
+            <a:r>
+              <a:rPr lang="en-US" sz="4800" b="1" dirty="0" smtClean="0"/>
+              <a:t>5 Hz Excitatory </a:t>
+            </a:r>
+            <a:r>
+              <a:rPr lang="en-US" sz="4800" b="1" dirty="0" smtClean="0"/>
+              <a:t>Rate</a:t>
+            </a:r>
+            <a:endParaRPr lang="en-US" sz="4800" b="1" dirty="0" smtClean="0"/>
+          </a:p>
+          <a:p>
+            <a:pPr algn="ctr"/>
+            <a:endParaRPr lang="en-US" sz="4800" b="1" dirty="0" smtClean="0"/>
+          </a:p>
+          <a:p>
+            <a:pPr algn="ctr"/>
+            <a:r>
+              <a:rPr lang="en-US" sz="4800" b="1" dirty="0"/>
+              <a:t>152 Inhibitory Synapses</a:t>
+            </a:r>
+            <a:endParaRPr lang="en-US" sz="4800" b="1" dirty="0" smtClean="0"/>
+          </a:p>
+          <a:p>
+            <a:pPr algn="ctr"/>
+            <a:r>
+              <a:rPr lang="en-US" sz="4800" b="1" dirty="0" smtClean="0"/>
+              <a:t>90 Hz Inhibitory </a:t>
+            </a:r>
+            <a:r>
+              <a:rPr lang="en-US" sz="4800" b="1" dirty="0" smtClean="0"/>
+              <a:t>Rate</a:t>
+            </a:r>
+            <a:endParaRPr lang="en-US" sz="4800" b="1" dirty="0"/>
+          </a:p>
+        </p:txBody>
+      </p:sp>
+      <p:sp>
+        <p:nvSpPr>
+          <p:cNvPr id="57" name="TextBox 56"/>
           <p:cNvSpPr txBox="1"/>
           <p:nvPr/>
         </p:nvSpPr>
         <p:spPr>
-          <a:xfrm rot="5400000">
-            <a:off x="24345447" y="13798499"/>
-            <a:ext cx="8204105" cy="1034579"/>
+          <a:xfrm>
+            <a:off x="2634143" y="9748990"/>
+            <a:ext cx="3295133" cy="1569660"/>
           </a:xfrm>
           <a:prstGeom prst="rect">
             <a:avLst/>
@@ -3818,24 +3859,29 @@
           </a:bodyPr>
           <a:lstStyle/>
           <a:p>
-            <a:r>
-              <a:rPr lang="en-US" b="1" dirty="0" smtClean="0"/>
-              <a:t>High Inhibitory Synapses</a:t>
-            </a:r>
-            <a:endParaRPr lang="en-US" b="1" dirty="0"/>
-          </a:p>
-        </p:txBody>
-      </p:sp>
-      <p:sp>
-        <p:nvSpPr>
-          <p:cNvPr id="54" name="TextBox 53"/>
+            <a:pPr algn="ctr"/>
+            <a:endParaRPr lang="en-US" sz="4800" b="1" dirty="0" smtClean="0"/>
+          </a:p>
+          <a:p>
+            <a:pPr algn="ctr"/>
+            <a:r>
+              <a:rPr lang="en-US" sz="4800" b="1" dirty="0" smtClean="0"/>
+              <a:t>None Found</a:t>
+            </a:r>
+            <a:endParaRPr lang="en-US" sz="4800" b="1" dirty="0"/>
+          </a:p>
+        </p:txBody>
+      </p:sp>
+      <p:sp>
+        <p:nvSpPr>
+          <p:cNvPr id="58" name="TextBox 57"/>
           <p:cNvSpPr txBox="1"/>
           <p:nvPr/>
         </p:nvSpPr>
         <p:spPr>
-          <a:xfrm rot="16200000">
-            <a:off x="-3660851" y="13789535"/>
-            <a:ext cx="8060668" cy="1034579"/>
+          <a:xfrm>
+            <a:off x="2302265" y="3790460"/>
+            <a:ext cx="4042197" cy="830997"/>
           </a:xfrm>
           <a:prstGeom prst="rect">
             <a:avLst/>
@@ -3848,24 +3894,24 @@
           </a:bodyPr>
           <a:lstStyle/>
           <a:p>
-            <a:r>
-              <a:rPr lang="en-US" b="1" dirty="0" smtClean="0"/>
-              <a:t>Low Inhibitory Synapses</a:t>
-            </a:r>
-            <a:endParaRPr lang="en-US" b="1" dirty="0"/>
-          </a:p>
-        </p:txBody>
-      </p:sp>
-      <p:sp>
-        <p:nvSpPr>
-          <p:cNvPr id="55" name="TextBox 54"/>
+            <a:pPr algn="ctr"/>
+            <a:r>
+              <a:rPr lang="en-US" sz="4800" b="1" dirty="0" smtClean="0"/>
+              <a:t>None Available</a:t>
+            </a:r>
+          </a:p>
+        </p:txBody>
+      </p:sp>
+      <p:sp>
+        <p:nvSpPr>
+          <p:cNvPr id="59" name="TextBox 58"/>
           <p:cNvSpPr txBox="1"/>
           <p:nvPr/>
         </p:nvSpPr>
         <p:spPr>
           <a:xfrm>
-            <a:off x="8266464" y="3449800"/>
-            <a:ext cx="5565498" cy="1569660"/>
+            <a:off x="21359821" y="1584524"/>
+            <a:ext cx="6274282" cy="4524315"/>
           </a:xfrm>
           <a:prstGeom prst="rect">
             <a:avLst/>
@@ -3879,35 +3925,72 @@
           <a:lstStyle/>
           <a:p>
             <a:pPr algn="ctr"/>
-            <a:r>
-              <a:rPr lang="en-US" sz="4800" b="1" dirty="0" smtClean="0"/>
-              <a:t>High Excitatory Rates</a:t>
-            </a:r>
-          </a:p>
-          <a:p>
-            <a:pPr algn="ctr"/>
-            <a:r>
-              <a:rPr lang="en-US" sz="4800" b="1" dirty="0" smtClean="0"/>
-              <a:t>High Inhibitory </a:t>
-            </a:r>
-            <a:r>
-              <a:rPr lang="en-US" sz="4800" b="1" dirty="0" smtClean="0"/>
-              <a:t>Rates</a:t>
+            <a:endParaRPr lang="en-US" sz="4800" b="1" dirty="0"/>
+          </a:p>
+          <a:p>
+            <a:pPr algn="ctr"/>
+            <a:r>
+              <a:rPr lang="en-US" sz="4800" b="1" dirty="0"/>
+              <a:t>792 Excitatory Synapses</a:t>
             </a:r>
             <a:endParaRPr lang="en-US" sz="4800" b="1" dirty="0" smtClean="0"/>
           </a:p>
-        </p:txBody>
-      </p:sp>
-      <p:sp>
-        <p:nvSpPr>
-          <p:cNvPr id="56" name="TextBox 55"/>
+          <a:p>
+            <a:pPr algn="ctr"/>
+            <a:r>
+              <a:rPr lang="en-US" sz="4800" b="1" dirty="0" smtClean="0"/>
+              <a:t>20 Hz </a:t>
+            </a:r>
+            <a:r>
+              <a:rPr lang="en-US" sz="4800" b="1" dirty="0"/>
+              <a:t>Excitatory </a:t>
+            </a:r>
+            <a:r>
+              <a:rPr lang="en-US" sz="4800" b="1" dirty="0" smtClean="0"/>
+              <a:t>Rate</a:t>
+            </a:r>
+            <a:endParaRPr lang="en-US" sz="4800" b="1" dirty="0" smtClean="0"/>
+          </a:p>
+          <a:p>
+            <a:pPr algn="ctr"/>
+            <a:endParaRPr lang="en-US" sz="4800" b="1" dirty="0" smtClean="0"/>
+          </a:p>
+          <a:p>
+            <a:pPr algn="ctr"/>
+            <a:r>
+              <a:rPr lang="en-US" sz="4800" b="1" dirty="0" smtClean="0"/>
+              <a:t>332 </a:t>
+            </a:r>
+            <a:r>
+              <a:rPr lang="en-US" sz="4800" b="1" dirty="0"/>
+              <a:t>Inhibitory Synapses</a:t>
+            </a:r>
+            <a:endParaRPr lang="en-US" sz="4800" b="1" dirty="0" smtClean="0"/>
+          </a:p>
+          <a:p>
+            <a:pPr algn="ctr"/>
+            <a:r>
+              <a:rPr lang="en-US" sz="4800" b="1" dirty="0"/>
+              <a:t>100 Hz Inhibitory </a:t>
+            </a:r>
+            <a:r>
+              <a:rPr lang="en-US" sz="4800" b="1" dirty="0" smtClean="0"/>
+              <a:t>Rate</a:t>
+            </a:r>
+            <a:endParaRPr lang="en-US" sz="4800" b="1" dirty="0"/>
+          </a:p>
+        </p:txBody>
+      </p:sp>
+      <p:sp>
+        <p:nvSpPr>
+          <p:cNvPr id="60" name="TextBox 59"/>
           <p:cNvSpPr txBox="1"/>
           <p:nvPr/>
         </p:nvSpPr>
         <p:spPr>
           <a:xfrm>
-            <a:off x="7629531" y="8282404"/>
-            <a:ext cx="6586867" cy="5262979"/>
+            <a:off x="21209646" y="8261074"/>
+            <a:ext cx="6586867" cy="4524315"/>
           </a:xfrm>
           <a:prstGeom prst="rect">
             <a:avLst/>
@@ -3921,91 +4004,66 @@
           <a:lstStyle/>
           <a:p>
             <a:pPr algn="ctr"/>
-            <a:r>
-              <a:rPr lang="en-US" sz="4800" b="1" dirty="0" smtClean="0"/>
-              <a:t>Low Excitatory </a:t>
+            <a:endParaRPr lang="en-US" sz="4800" b="1" dirty="0" smtClean="0"/>
+          </a:p>
+          <a:p>
+            <a:pPr algn="ctr"/>
+            <a:r>
+              <a:rPr lang="en-US" sz="4800" b="1" dirty="0" smtClean="0"/>
+              <a:t>1152 Excitatory Synapses</a:t>
+            </a:r>
+          </a:p>
+          <a:p>
+            <a:pPr algn="ctr"/>
+            <a:r>
+              <a:rPr lang="en-US" sz="4800" b="1" dirty="0" smtClean="0"/>
+              <a:t>10 Hz Excitatory </a:t>
+            </a:r>
+            <a:r>
+              <a:rPr lang="en-US" sz="4800" b="1" dirty="0" smtClean="0"/>
+              <a:t>Rate</a:t>
+            </a:r>
+            <a:endParaRPr lang="en-US" sz="4800" b="1" dirty="0" smtClean="0"/>
+          </a:p>
+          <a:p>
+            <a:pPr algn="ctr"/>
+            <a:endParaRPr lang="en-US" sz="4800" b="1" dirty="0" smtClean="0"/>
+          </a:p>
+          <a:p>
+            <a:pPr algn="ctr"/>
+            <a:r>
+              <a:rPr lang="en-US" sz="4800" b="1" dirty="0" smtClean="0"/>
+              <a:t>264 Inhibitory Synapses</a:t>
+            </a:r>
+          </a:p>
+          <a:p>
+            <a:pPr algn="ctr"/>
+            <a:r>
+              <a:rPr lang="en-US" sz="4800" b="1" dirty="0" smtClean="0"/>
+              <a:t>90 </a:t>
             </a:r>
             <a:r>
               <a:rPr lang="en-US" sz="4800" b="1" dirty="0"/>
-              <a:t>Rates</a:t>
-            </a:r>
-            <a:endParaRPr lang="en-US" sz="4800" b="1" dirty="0" smtClean="0"/>
-          </a:p>
-          <a:p>
-            <a:pPr algn="ctr"/>
-            <a:r>
-              <a:rPr lang="en-US" sz="4800" b="1" dirty="0" smtClean="0"/>
-              <a:t>High Inhibitory </a:t>
-            </a:r>
-            <a:r>
-              <a:rPr lang="en-US" sz="4800" b="1" dirty="0"/>
-              <a:t>Rates</a:t>
-            </a:r>
-            <a:endParaRPr lang="en-US" sz="4800" b="1" dirty="0" smtClean="0"/>
-          </a:p>
-          <a:p>
-            <a:pPr algn="ctr"/>
+              <a:t>Hz Inhibitory </a:t>
+            </a:r>
+            <a:r>
+              <a:rPr lang="en-US" sz="4800" b="1" dirty="0" smtClean="0"/>
+              <a:t>Rate</a:t>
+            </a:r>
             <a:endParaRPr lang="en-US" sz="4800" b="1" dirty="0"/>
           </a:p>
-          <a:p>
-            <a:pPr algn="ctr"/>
-            <a:r>
-              <a:rPr lang="en-US" sz="4800" b="1" dirty="0"/>
-              <a:t>1098 Excitatory Synapses</a:t>
-            </a:r>
-            <a:endParaRPr lang="en-US" sz="4800" b="1" dirty="0" smtClean="0"/>
-          </a:p>
-          <a:p>
-            <a:pPr algn="ctr"/>
-            <a:r>
-              <a:rPr lang="en-US" sz="4800" b="1" dirty="0" smtClean="0"/>
-              <a:t>5 Hz </a:t>
-            </a:r>
-            <a:r>
-              <a:rPr lang="en-US" sz="4800" b="1" dirty="0"/>
-              <a:t>Spike </a:t>
-            </a:r>
-            <a:r>
-              <a:rPr lang="en-US" sz="4800" b="1" dirty="0" smtClean="0"/>
-              <a:t>Rates</a:t>
-            </a:r>
-          </a:p>
-          <a:p>
-            <a:pPr algn="ctr"/>
-            <a:r>
-              <a:rPr lang="en-US" sz="4800" b="1" dirty="0"/>
-              <a:t>152 Inhibitory Synapses</a:t>
-            </a:r>
-            <a:endParaRPr lang="en-US" sz="4800" b="1" dirty="0" smtClean="0"/>
-          </a:p>
-          <a:p>
-            <a:pPr algn="ctr"/>
-            <a:r>
-              <a:rPr lang="en-US" sz="4800" b="1" dirty="0" smtClean="0"/>
-              <a:t>90 Hz </a:t>
-            </a:r>
-            <a:r>
-              <a:rPr lang="en-US" sz="4800" b="1" dirty="0"/>
-              <a:t>Spike </a:t>
-            </a:r>
-            <a:r>
-              <a:rPr lang="en-US" sz="4800" b="1" dirty="0" smtClean="0"/>
-              <a:t>Rates</a:t>
-            </a:r>
-            <a:endParaRPr lang="en-US" sz="4800" b="1" dirty="0"/>
-          </a:p>
-        </p:txBody>
-      </p:sp>
-      <p:sp>
-        <p:nvSpPr>
-          <p:cNvPr id="57" name="TextBox 56"/>
+        </p:txBody>
+      </p:sp>
+      <p:sp>
+        <p:nvSpPr>
+          <p:cNvPr id="61" name="TextBox 60"/>
           <p:cNvSpPr txBox="1"/>
           <p:nvPr/>
         </p:nvSpPr>
         <p:spPr>
           <a:xfrm>
-            <a:off x="1555386" y="9444190"/>
-            <a:ext cx="5452647" cy="3046988"/>
+            <a:off x="14654802" y="8291369"/>
+            <a:ext cx="6274282" cy="4524315"/>
           </a:xfrm>
           <a:prstGeom prst="rect">
             <a:avLst/>
@@ -4019,13 +4077,13 @@
           <a:lstStyle/>
           <a:p>
             <a:pPr algn="ctr"/>
-            <a:r>
-              <a:rPr lang="en-US" sz="4800" b="1" dirty="0" smtClean="0"/>
-              <a:t>Low Excitatory </a:t>
-            </a:r>
+            <a:endParaRPr lang="en-US" sz="4800" b="1" dirty="0"/>
+          </a:p>
+          <a:p>
+            <a:pPr algn="ctr"/>
             <a:r>
               <a:rPr lang="en-US" sz="4800" b="1" dirty="0"/>
-              <a:t>Rates</a:t>
+              <a:t>810 Excitatory Synapses</a:t>
             </a:r>
             <a:endParaRPr lang="en-US" sz="4800" b="1" dirty="0" smtClean="0"/>
           </a:p>
@@ -4033,11 +4091,15 @@
             <a:pPr algn="ctr"/>
             <a:r>
               <a:rPr lang="en-US" sz="4800" b="1" dirty="0" smtClean="0"/>
-              <a:t>Low Inhibitory </a:t>
+              <a:t>5 Hz </a:t>
             </a:r>
             <a:r>
               <a:rPr lang="en-US" sz="4800" b="1" dirty="0"/>
-              <a:t>Rates</a:t>
+              <a:t>Excitatory </a:t>
+            </a:r>
+            <a:r>
+              <a:rPr lang="en-US" sz="4800" b="1" dirty="0" smtClean="0"/>
+              <a:t>Rate</a:t>
             </a:r>
             <a:endParaRPr lang="en-US" sz="4800" b="1" dirty="0" smtClean="0"/>
           </a:p>
@@ -4048,8 +4110,24 @@
           <a:p>
             <a:pPr algn="ctr"/>
             <a:r>
-              <a:rPr lang="en-US" sz="4800" b="1" dirty="0" smtClean="0"/>
-              <a:t>None Found</a:t>
+              <a:rPr lang="en-US" sz="4800" b="1" dirty="0"/>
+              <a:t>268 Inhibitory Synapses</a:t>
+            </a:r>
+            <a:endParaRPr lang="en-US" sz="4800" b="1" dirty="0" smtClean="0"/>
+          </a:p>
+          <a:p>
+            <a:pPr algn="ctr"/>
+            <a:r>
+              <a:rPr lang="en-US" sz="4800" b="1" dirty="0" smtClean="0"/>
+              <a:t>30 Hz </a:t>
+            </a:r>
+            <a:r>
+              <a:rPr lang="en-US" sz="4800" b="1" dirty="0"/>
+              <a:t>Inhibitory </a:t>
+            </a:r>
+            <a:r>
+              <a:rPr lang="en-US" sz="4800" b="1" dirty="0" smtClean="0"/>
+              <a:t>Rate</a:t>
             </a:r>
             <a:endParaRPr lang="en-US" sz="4800" b="1" dirty="0"/>
           </a:p>
@@ -4057,14 +4135,14 @@
       </p:sp>
       <p:sp>
         <p:nvSpPr>
-          <p:cNvPr id="58" name="TextBox 57"/>
+          <p:cNvPr id="62" name="TextBox 61"/>
           <p:cNvSpPr txBox="1"/>
           <p:nvPr/>
         </p:nvSpPr>
         <p:spPr>
           <a:xfrm>
-            <a:off x="1540612" y="3485660"/>
-            <a:ext cx="5565498" cy="1569660"/>
+            <a:off x="15876263" y="3826320"/>
+            <a:ext cx="4042197" cy="830997"/>
           </a:xfrm>
           <a:prstGeom prst="rect">
             <a:avLst/>
@@ -4080,33 +4158,21 @@
             <a:pPr algn="ctr"/>
             <a:r>
               <a:rPr lang="en-US" sz="4800" b="1" dirty="0" smtClean="0"/>
-              <a:t>High Excitatory Rates</a:t>
-            </a:r>
-          </a:p>
-          <a:p>
-            <a:pPr algn="ctr"/>
-            <a:r>
-              <a:rPr lang="en-US" sz="4800" b="1" dirty="0" smtClean="0"/>
-              <a:t>Low Inhibitory </a:t>
-            </a:r>
-            <a:r>
-              <a:rPr lang="en-US" sz="4800" b="1" dirty="0" smtClean="0"/>
-              <a:t>Rates</a:t>
-            </a:r>
-            <a:endParaRPr lang="en-US" sz="4800" b="1" dirty="0" smtClean="0"/>
-          </a:p>
-        </p:txBody>
-      </p:sp>
-      <p:sp>
-        <p:nvSpPr>
-          <p:cNvPr id="59" name="TextBox 58"/>
+              <a:t>None Available</a:t>
+            </a:r>
+          </a:p>
+        </p:txBody>
+      </p:sp>
+      <p:sp>
+        <p:nvSpPr>
+          <p:cNvPr id="63" name="TextBox 62"/>
           <p:cNvSpPr txBox="1"/>
           <p:nvPr/>
         </p:nvSpPr>
         <p:spPr>
           <a:xfrm>
-            <a:off x="21359821" y="1584524"/>
-            <a:ext cx="6274282" cy="5262979"/>
+            <a:off x="7785824" y="15007497"/>
+            <a:ext cx="6274282" cy="4524315"/>
           </a:xfrm>
           <a:prstGeom prst="rect">
             <a:avLst/>
@@ -4120,66 +4186,55 @@
           <a:lstStyle/>
           <a:p>
             <a:pPr algn="ctr"/>
-            <a:r>
-              <a:rPr lang="en-US" sz="4800" b="1" dirty="0" smtClean="0"/>
-              <a:t>High Excitatory Rates</a:t>
-            </a:r>
-          </a:p>
-          <a:p>
-            <a:pPr algn="ctr"/>
-            <a:r>
-              <a:rPr lang="en-US" sz="4800" b="1" dirty="0" smtClean="0"/>
-              <a:t>High Inhibitory Rates</a:t>
-            </a:r>
-          </a:p>
-          <a:p>
-            <a:pPr algn="ctr"/>
             <a:endParaRPr lang="en-US" sz="4800" b="1" dirty="0"/>
           </a:p>
           <a:p>
             <a:pPr algn="ctr"/>
             <a:r>
+              <a:rPr lang="en-US" sz="4800" b="1" dirty="0" smtClean="0"/>
+              <a:t>234 Excitatory Synapses</a:t>
+            </a:r>
+          </a:p>
+          <a:p>
+            <a:pPr algn="ctr"/>
+            <a:r>
+              <a:rPr lang="en-US" sz="4800" b="1" dirty="0" smtClean="0"/>
+              <a:t>25 Hz </a:t>
+            </a:r>
+            <a:r>
               <a:rPr lang="en-US" sz="4800" b="1" dirty="0"/>
-              <a:t>792 Excitatory Synapses</a:t>
+              <a:t>Excitatory </a:t>
+            </a:r>
+            <a:r>
+              <a:rPr lang="en-US" sz="4800" b="1" dirty="0" smtClean="0"/>
+              <a:t>Rate</a:t>
             </a:r>
             <a:endParaRPr lang="en-US" sz="4800" b="1" dirty="0" smtClean="0"/>
           </a:p>
           <a:p>
             <a:pPr algn="ctr"/>
-            <a:r>
-              <a:rPr lang="en-US" sz="4800" b="1" dirty="0" smtClean="0"/>
-              <a:t>20 Hz </a:t>
+            <a:endParaRPr lang="en-US" sz="4800" b="1" dirty="0" smtClean="0"/>
+          </a:p>
+          <a:p>
+            <a:pPr algn="ctr"/>
+            <a:r>
+              <a:rPr lang="en-US" sz="4800" b="1" dirty="0" smtClean="0"/>
+              <a:t>152 Inhibitory Synapses</a:t>
+            </a:r>
+          </a:p>
+          <a:p>
+            <a:pPr algn="ctr"/>
+            <a:r>
+              <a:rPr lang="en-US" sz="4800" b="1" dirty="0" smtClean="0"/>
+              <a:t>100 Hz </a:t>
             </a:r>
             <a:r>
               <a:rPr lang="en-US" sz="4800" b="1" dirty="0"/>
-              <a:t>Spike </a:t>
-            </a:r>
-            <a:r>
-              <a:rPr lang="en-US" sz="4800" b="1" dirty="0" smtClean="0"/>
-              <a:t>Rates</a:t>
-            </a:r>
-          </a:p>
-          <a:p>
-            <a:pPr algn="ctr"/>
-            <a:r>
-              <a:rPr lang="en-US" sz="4800" b="1" dirty="0" smtClean="0"/>
-              <a:t>332 </a:t>
-            </a:r>
-            <a:r>
-              <a:rPr lang="en-US" sz="4800" b="1" dirty="0"/>
-              <a:t>Inhibitory Synapses</a:t>
-            </a:r>
-            <a:endParaRPr lang="en-US" sz="4800" b="1" dirty="0" smtClean="0"/>
-          </a:p>
-          <a:p>
-            <a:pPr algn="ctr"/>
-            <a:r>
-              <a:rPr lang="en-US" sz="4800" b="1" dirty="0"/>
-              <a:t>100 Hz Spike </a:t>
-            </a:r>
-            <a:r>
-              <a:rPr lang="en-US" sz="4800" b="1" dirty="0" smtClean="0"/>
-              <a:t>Rates</a:t>
+              <a:t>Inhibitory </a:t>
+            </a:r>
+            <a:r>
+              <a:rPr lang="en-US" sz="4800" b="1" dirty="0" smtClean="0"/>
+              <a:t>Rate</a:t>
             </a:r>
             <a:endParaRPr lang="en-US" sz="4800" b="1" dirty="0"/>
           </a:p>
@@ -4187,14 +4242,14 @@
       </p:sp>
       <p:sp>
         <p:nvSpPr>
-          <p:cNvPr id="60" name="TextBox 59"/>
+          <p:cNvPr id="64" name="TextBox 63"/>
           <p:cNvSpPr txBox="1"/>
           <p:nvPr/>
         </p:nvSpPr>
         <p:spPr>
           <a:xfrm>
-            <a:off x="21209646" y="8261074"/>
-            <a:ext cx="6586867" cy="5262979"/>
+            <a:off x="7891321" y="21779864"/>
+            <a:ext cx="6274282" cy="4524315"/>
           </a:xfrm>
           <a:prstGeom prst="rect">
             <a:avLst/>
@@ -4208,95 +4263,74 @@
           <a:lstStyle/>
           <a:p>
             <a:pPr algn="ctr"/>
-            <a:r>
-              <a:rPr lang="en-US" sz="4800" b="1" dirty="0" smtClean="0"/>
-              <a:t>Low Excitatory </a:t>
+            <a:endParaRPr lang="en-US" sz="4800" b="1" dirty="0"/>
+          </a:p>
+          <a:p>
+            <a:pPr algn="ctr"/>
+            <a:r>
+              <a:rPr lang="en-US" sz="4800" b="1" dirty="0" smtClean="0"/>
+              <a:t>702 Excitatory Synapses</a:t>
+            </a:r>
+          </a:p>
+          <a:p>
+            <a:pPr algn="ctr"/>
+            <a:r>
+              <a:rPr lang="en-US" sz="4800" b="1" dirty="0" smtClean="0"/>
+              <a:t>5 Hz </a:t>
             </a:r>
             <a:r>
               <a:rPr lang="en-US" sz="4800" b="1" dirty="0"/>
-              <a:t>Rates</a:t>
+              <a:t>Excitatory </a:t>
+            </a:r>
+            <a:r>
+              <a:rPr lang="en-US" sz="4800" b="1" dirty="0" smtClean="0"/>
+              <a:t>Rate</a:t>
             </a:r>
             <a:endParaRPr lang="en-US" sz="4800" b="1" dirty="0" smtClean="0"/>
           </a:p>
           <a:p>
             <a:pPr algn="ctr"/>
-            <a:r>
-              <a:rPr lang="en-US" sz="4800" b="1" dirty="0" smtClean="0"/>
-              <a:t>High Inhibitory </a:t>
+            <a:endParaRPr lang="en-US" sz="4800" b="1" dirty="0" smtClean="0"/>
+          </a:p>
+          <a:p>
+            <a:pPr algn="ctr"/>
+            <a:r>
+              <a:rPr lang="en-US" sz="4800" b="1" dirty="0" smtClean="0"/>
+              <a:t>104 </a:t>
             </a:r>
             <a:r>
               <a:rPr lang="en-US" sz="4800" b="1" dirty="0"/>
-              <a:t>Rates</a:t>
+              <a:t>Inhibitory Synapses</a:t>
+            </a:r>
+          </a:p>
+          <a:p>
+            <a:pPr algn="ctr"/>
+            <a:r>
+              <a:rPr lang="en-US" sz="4800" b="1" dirty="0" smtClean="0"/>
+              <a:t>70 Hz </a:t>
+            </a:r>
+            <a:r>
+              <a:rPr lang="en-US" sz="4800" b="1" dirty="0"/>
+              <a:t>Inhibitory </a:t>
+            </a:r>
+            <a:r>
+              <a:rPr lang="en-US" sz="4800" b="1" dirty="0" smtClean="0"/>
+              <a:t>Rate</a:t>
             </a:r>
             <a:endParaRPr lang="en-US" sz="4800" b="1" dirty="0" smtClean="0"/>
           </a:p>
-          <a:p>
-            <a:pPr algn="ctr"/>
-            <a:endParaRPr lang="en-US" sz="4800" b="1" dirty="0"/>
-          </a:p>
-          <a:p>
-            <a:pPr algn="ctr"/>
-            <a:r>
-              <a:rPr lang="en-US" sz="4800" b="1" dirty="0"/>
-              <a:t>1152 Excitatory Synapses</a:t>
-            </a:r>
-            <a:endParaRPr lang="en-US" sz="4800" b="1" dirty="0" smtClean="0"/>
-          </a:p>
-          <a:p>
-            <a:pPr algn="ctr"/>
-            <a:r>
-              <a:rPr lang="en-US" sz="4800" b="1" dirty="0"/>
-              <a:t>1</a:t>
-            </a:r>
-            <a:r>
-              <a:rPr lang="en-US" sz="4800" b="1" dirty="0" smtClean="0"/>
-              <a:t>0 Hz </a:t>
-            </a:r>
-            <a:r>
-              <a:rPr lang="en-US" sz="4800" b="1" dirty="0"/>
-              <a:t>Spike </a:t>
-            </a:r>
-            <a:r>
-              <a:rPr lang="en-US" sz="4800" b="1" dirty="0" smtClean="0"/>
-              <a:t>Rates</a:t>
-            </a:r>
-          </a:p>
-          <a:p>
-            <a:pPr algn="ctr"/>
-            <a:r>
-              <a:rPr lang="en-US" sz="4800" b="1" dirty="0"/>
-              <a:t>264 Inhibitory Synapses</a:t>
-            </a:r>
-            <a:endParaRPr lang="en-US" sz="4800" b="1" dirty="0" smtClean="0"/>
-          </a:p>
-          <a:p>
-            <a:pPr algn="ctr"/>
-            <a:r>
-              <a:rPr lang="en-US" sz="4800" b="1" dirty="0" smtClean="0"/>
-              <a:t>90 Hz </a:t>
-            </a:r>
-            <a:r>
-              <a:rPr lang="en-US" sz="4800" b="1" dirty="0"/>
-              <a:t>Spike </a:t>
-            </a:r>
-            <a:r>
-              <a:rPr lang="en-US" sz="4800" b="1" dirty="0" smtClean="0"/>
-              <a:t>Rates</a:t>
-            </a:r>
-            <a:endParaRPr lang="en-US" sz="4800" b="1" dirty="0"/>
-          </a:p>
-        </p:txBody>
-      </p:sp>
-      <p:sp>
-        <p:nvSpPr>
-          <p:cNvPr id="61" name="TextBox 60"/>
+        </p:txBody>
+      </p:sp>
+      <p:sp>
+        <p:nvSpPr>
+          <p:cNvPr id="65" name="TextBox 64"/>
           <p:cNvSpPr txBox="1"/>
           <p:nvPr/>
         </p:nvSpPr>
         <p:spPr>
           <a:xfrm>
-            <a:off x="14654802" y="8291369"/>
-            <a:ext cx="6274282" cy="5262979"/>
+            <a:off x="1184389" y="21759992"/>
+            <a:ext cx="6274282" cy="4524315"/>
           </a:xfrm>
           <a:prstGeom prst="rect">
             <a:avLst/>
@@ -4310,91 +4344,70 @@
           <a:lstStyle/>
           <a:p>
             <a:pPr algn="ctr"/>
-            <a:r>
-              <a:rPr lang="en-US" sz="4800" b="1" dirty="0" smtClean="0"/>
-              <a:t>Low Excitatory </a:t>
-            </a:r>
+            <a:endParaRPr lang="en-US" sz="4800" b="1" dirty="0" smtClean="0"/>
+          </a:p>
+          <a:p>
+            <a:pPr algn="ctr"/>
+            <a:r>
+              <a:rPr lang="en-US" sz="4800" b="1" dirty="0" smtClean="0"/>
+              <a:t>144 Excitatory Synapses</a:t>
+            </a:r>
+          </a:p>
+          <a:p>
+            <a:pPr algn="ctr"/>
             <a:r>
               <a:rPr lang="en-US" sz="4800" b="1" dirty="0"/>
-              <a:t>Rates</a:t>
+              <a:t>5 Hz Excitatory </a:t>
+            </a:r>
+            <a:r>
+              <a:rPr lang="en-US" sz="4800" b="1" dirty="0" smtClean="0"/>
+              <a:t>Rate</a:t>
             </a:r>
             <a:endParaRPr lang="en-US" sz="4800" b="1" dirty="0" smtClean="0"/>
           </a:p>
           <a:p>
             <a:pPr algn="ctr"/>
-            <a:r>
-              <a:rPr lang="en-US" sz="4800" b="1" dirty="0" smtClean="0"/>
-              <a:t>Low Inhibitory </a:t>
+            <a:endParaRPr lang="en-US" sz="4800" b="1" dirty="0"/>
+          </a:p>
+          <a:p>
+            <a:pPr algn="ctr"/>
+            <a:r>
+              <a:rPr lang="en-US" sz="4800" b="1" dirty="0" smtClean="0"/>
+              <a:t>8 </a:t>
             </a:r>
             <a:r>
               <a:rPr lang="en-US" sz="4800" b="1" dirty="0"/>
-              <a:t>Rates</a:t>
+              <a:t>Inhibitory Synapses</a:t>
+            </a:r>
+          </a:p>
+          <a:p>
+            <a:pPr algn="ctr"/>
+            <a:r>
+              <a:rPr lang="en-US" sz="4800" b="1" dirty="0" smtClean="0"/>
+              <a:t>50 Hz </a:t>
+            </a:r>
+            <a:r>
+              <a:rPr lang="en-US" sz="4800" b="1" dirty="0"/>
+              <a:t>Inhibitory </a:t>
+            </a:r>
+            <a:r>
+              <a:rPr lang="en-US" sz="4800" b="1" dirty="0" smtClean="0"/>
+              <a:t>Rate</a:t>
             </a:r>
             <a:endParaRPr lang="en-US" sz="4800" b="1" dirty="0" smtClean="0"/>
           </a:p>
-          <a:p>
-            <a:pPr algn="ctr"/>
-            <a:endParaRPr lang="en-US" sz="4800" b="1" dirty="0"/>
-          </a:p>
-          <a:p>
-            <a:pPr algn="ctr"/>
-            <a:r>
-              <a:rPr lang="en-US" sz="4800" b="1" dirty="0"/>
-              <a:t>810 Excitatory Synapses</a:t>
-            </a:r>
-            <a:endParaRPr lang="en-US" sz="4800" b="1" dirty="0" smtClean="0"/>
-          </a:p>
-          <a:p>
-            <a:pPr algn="ctr"/>
-            <a:r>
-              <a:rPr lang="en-US" sz="4800" b="1" dirty="0" smtClean="0"/>
-              <a:t>5 Hz </a:t>
-            </a:r>
-            <a:r>
-              <a:rPr lang="en-US" sz="4800" b="1" dirty="0"/>
-              <a:t>Spike </a:t>
-            </a:r>
-            <a:r>
-              <a:rPr lang="en-US" sz="4800" b="1" dirty="0" smtClean="0"/>
-              <a:t>Rates</a:t>
-            </a:r>
-          </a:p>
-          <a:p>
-            <a:pPr algn="ctr"/>
-            <a:r>
-              <a:rPr lang="en-US" sz="4800" b="1" dirty="0"/>
-              <a:t>268 Inhibitory Synapses</a:t>
-            </a:r>
-            <a:endParaRPr lang="en-US" sz="4800" b="1" dirty="0" smtClean="0"/>
-          </a:p>
-          <a:p>
-            <a:pPr algn="ctr"/>
-            <a:r>
-              <a:rPr lang="en-US" sz="4800" b="1" dirty="0" smtClean="0"/>
-              <a:t>30 Hz </a:t>
-            </a:r>
-            <a:r>
-              <a:rPr lang="en-US" sz="4800" b="1" dirty="0"/>
-              <a:t>Spike </a:t>
-            </a:r>
-            <a:r>
-              <a:rPr lang="en-US" sz="4800" b="1" dirty="0" smtClean="0"/>
-              <a:t>Rates</a:t>
-            </a:r>
-            <a:endParaRPr lang="en-US" sz="4800" b="1" dirty="0"/>
-          </a:p>
-        </p:txBody>
-      </p:sp>
-      <p:sp>
-        <p:nvSpPr>
-          <p:cNvPr id="62" name="TextBox 61"/>
+        </p:txBody>
+      </p:sp>
+      <p:sp>
+        <p:nvSpPr>
+          <p:cNvPr id="66" name="TextBox 65"/>
           <p:cNvSpPr txBox="1"/>
           <p:nvPr/>
         </p:nvSpPr>
         <p:spPr>
           <a:xfrm>
-            <a:off x="15114609" y="3521520"/>
-            <a:ext cx="5565498" cy="1569660"/>
+            <a:off x="1336719" y="15036887"/>
+            <a:ext cx="5961696" cy="4524315"/>
           </a:xfrm>
           <a:prstGeom prst="rect">
             <a:avLst/>
@@ -4408,35 +4421,70 @@
           <a:lstStyle/>
           <a:p>
             <a:pPr algn="ctr"/>
-            <a:r>
-              <a:rPr lang="en-US" sz="4800" b="1" dirty="0" smtClean="0"/>
-              <a:t>High Excitatory Rates</a:t>
-            </a:r>
-          </a:p>
-          <a:p>
-            <a:pPr algn="ctr"/>
-            <a:r>
-              <a:rPr lang="en-US" sz="4800" b="1" dirty="0" smtClean="0"/>
-              <a:t>Low Inhibitory </a:t>
-            </a:r>
-            <a:r>
-              <a:rPr lang="en-US" sz="4800" b="1" dirty="0" smtClean="0"/>
-              <a:t>Rates</a:t>
+            <a:endParaRPr lang="en-US" sz="4800" b="1" dirty="0"/>
+          </a:p>
+          <a:p>
+            <a:pPr algn="ctr"/>
+            <a:r>
+              <a:rPr lang="en-US" sz="4800" b="1" dirty="0" smtClean="0"/>
+              <a:t>18 Excitatory Synapses</a:t>
+            </a:r>
+          </a:p>
+          <a:p>
+            <a:pPr algn="ctr"/>
+            <a:r>
+              <a:rPr lang="en-US" sz="4800" b="1" dirty="0" smtClean="0"/>
+              <a:t>30 Hz </a:t>
+            </a:r>
+            <a:r>
+              <a:rPr lang="en-US" sz="4800" b="1" dirty="0"/>
+              <a:t>Excitatory </a:t>
+            </a:r>
+            <a:r>
+              <a:rPr lang="en-US" sz="4800" b="1" dirty="0" smtClean="0"/>
+              <a:t>Rate</a:t>
             </a:r>
             <a:endParaRPr lang="en-US" sz="4800" b="1" dirty="0" smtClean="0"/>
           </a:p>
-        </p:txBody>
-      </p:sp>
-      <p:sp>
-        <p:nvSpPr>
-          <p:cNvPr id="63" name="TextBox 62"/>
+          <a:p>
+            <a:pPr algn="ctr"/>
+            <a:endParaRPr lang="en-US" sz="4800" b="1" dirty="0" smtClean="0"/>
+          </a:p>
+          <a:p>
+            <a:pPr algn="ctr"/>
+            <a:r>
+              <a:rPr lang="en-US" sz="4800" b="1" dirty="0" smtClean="0"/>
+              <a:t>12 Inhibitory Synapses</a:t>
+            </a:r>
+          </a:p>
+          <a:p>
+            <a:pPr algn="ctr"/>
+            <a:r>
+              <a:rPr lang="en-US" sz="4800" b="1" dirty="0" smtClean="0"/>
+              <a:t>50 Hz </a:t>
+            </a:r>
+            <a:r>
+              <a:rPr lang="en-US" sz="4800" b="1" dirty="0"/>
+              <a:t>Inhibitory </a:t>
+            </a:r>
+            <a:r>
+              <a:rPr lang="en-US" sz="4800" b="1" dirty="0" smtClean="0"/>
+              <a:t>Rate</a:t>
+            </a:r>
+            <a:endParaRPr lang="en-US" sz="4800" b="1" dirty="0"/>
+          </a:p>
+        </p:txBody>
+      </p:sp>
+      <p:sp>
+        <p:nvSpPr>
+          <p:cNvPr id="67" name="TextBox 66"/>
           <p:cNvSpPr txBox="1"/>
           <p:nvPr/>
         </p:nvSpPr>
         <p:spPr>
           <a:xfrm>
-            <a:off x="7785824" y="15007497"/>
-            <a:ext cx="6274282" cy="5262979"/>
+            <a:off x="21359821" y="14998749"/>
+            <a:ext cx="6274282" cy="4524315"/>
           </a:xfrm>
           <a:prstGeom prst="rect">
             <a:avLst/>
@@ -4450,13 +4498,13 @@
           <a:lstStyle/>
           <a:p>
             <a:pPr algn="ctr"/>
-            <a:r>
-              <a:rPr lang="en-US" sz="4800" b="1" dirty="0" smtClean="0"/>
-              <a:t>High Excitatory </a:t>
-            </a:r>
+            <a:endParaRPr lang="en-US" sz="4800" b="1" dirty="0"/>
+          </a:p>
+          <a:p>
+            <a:pPr algn="ctr"/>
             <a:r>
               <a:rPr lang="en-US" sz="4800" b="1" dirty="0"/>
-              <a:t>Rates</a:t>
+              <a:t>342 Excitatory Synapses</a:t>
             </a:r>
             <a:endParaRPr lang="en-US" sz="4800" b="1" dirty="0" smtClean="0"/>
           </a:p>
@@ -4464,59 +4512,58 @@
             <a:pPr algn="ctr"/>
             <a:r>
               <a:rPr lang="en-US" sz="4800" b="1" dirty="0" smtClean="0"/>
-              <a:t>High Inhibitory </a:t>
+              <a:t>25 Hz </a:t>
             </a:r>
             <a:r>
               <a:rPr lang="en-US" sz="4800" b="1" dirty="0"/>
-              <a:t>Rates</a:t>
+              <a:t>Excitatory </a:t>
+            </a:r>
+            <a:r>
+              <a:rPr lang="en-US" sz="4800" b="1" dirty="0" smtClean="0"/>
+              <a:t>Rate</a:t>
             </a:r>
             <a:endParaRPr lang="en-US" sz="4800" b="1" dirty="0" smtClean="0"/>
           </a:p>
           <a:p>
             <a:pPr algn="ctr"/>
+            <a:endParaRPr lang="en-US" sz="4800" b="1" dirty="0" smtClean="0"/>
+          </a:p>
+          <a:p>
+            <a:pPr algn="ctr"/>
+            <a:r>
+              <a:rPr lang="en-US" sz="4800" b="1" dirty="0"/>
+              <a:t>200 Inhibitory Synapses</a:t>
+            </a:r>
+            <a:endParaRPr lang="en-US" sz="4800" b="1" dirty="0" smtClean="0"/>
+          </a:p>
+          <a:p>
+            <a:pPr algn="ctr"/>
+            <a:r>
+              <a:rPr lang="en-US" sz="4800" b="1" dirty="0" smtClean="0"/>
+              <a:t>90 Hz </a:t>
+            </a:r>
+            <a:r>
+              <a:rPr lang="en-US" sz="4800" b="1" dirty="0"/>
+              <a:t>Inhibitory </a:t>
+            </a:r>
+            <a:r>
+              <a:rPr lang="en-US" sz="4800" b="1" dirty="0" smtClean="0"/>
+              <a:t>Rate</a:t>
+            </a:r>
             <a:endParaRPr lang="en-US" sz="4800" b="1" dirty="0"/>
           </a:p>
-          <a:p>
-            <a:pPr algn="ctr"/>
-            <a:r>
-              <a:rPr lang="en-US" sz="4800" b="1" dirty="0" smtClean="0"/>
-              <a:t>234 Excitatory Synapses</a:t>
-            </a:r>
-          </a:p>
-          <a:p>
-            <a:pPr algn="ctr"/>
-            <a:r>
-              <a:rPr lang="en-US" sz="4800" b="1" dirty="0" smtClean="0"/>
-              <a:t>25 Hz Spike Rates</a:t>
-            </a:r>
-          </a:p>
-          <a:p>
-            <a:pPr algn="ctr"/>
-            <a:r>
-              <a:rPr lang="en-US" sz="4800" b="1" dirty="0" smtClean="0"/>
-              <a:t>152 Inhibitory Synapses</a:t>
-            </a:r>
-          </a:p>
-          <a:p>
-            <a:pPr algn="ctr"/>
-            <a:r>
-              <a:rPr lang="en-US" sz="4800" b="1" dirty="0" smtClean="0"/>
-              <a:t>100 Hz Spike Rates</a:t>
-            </a:r>
-            <a:endParaRPr lang="en-US" sz="4800" b="1" dirty="0"/>
-          </a:p>
-        </p:txBody>
-      </p:sp>
-      <p:sp>
-        <p:nvSpPr>
-          <p:cNvPr id="64" name="TextBox 63"/>
+        </p:txBody>
+      </p:sp>
+      <p:sp>
+        <p:nvSpPr>
+          <p:cNvPr id="68" name="TextBox 67"/>
           <p:cNvSpPr txBox="1"/>
           <p:nvPr/>
         </p:nvSpPr>
         <p:spPr>
           <a:xfrm>
-            <a:off x="7891321" y="21779864"/>
-            <a:ext cx="6274282" cy="5262979"/>
+            <a:off x="21359821" y="21753839"/>
+            <a:ext cx="6274282" cy="4524315"/>
           </a:xfrm>
           <a:prstGeom prst="rect">
             <a:avLst/>
@@ -4530,61 +4577,55 @@
           <a:lstStyle/>
           <a:p>
             <a:pPr algn="ctr"/>
-            <a:r>
-              <a:rPr lang="en-US" sz="4800" b="1" dirty="0" smtClean="0"/>
-              <a:t>Low Excitatory </a:t>
+            <a:endParaRPr lang="en-US" sz="4800" b="1" dirty="0"/>
+          </a:p>
+          <a:p>
+            <a:pPr algn="ctr"/>
+            <a:r>
+              <a:rPr lang="en-US" sz="4800" b="1" dirty="0" smtClean="0"/>
+              <a:t>702 Excitatory Synapses</a:t>
+            </a:r>
+          </a:p>
+          <a:p>
+            <a:pPr algn="ctr"/>
+            <a:r>
+              <a:rPr lang="en-US" sz="4800" b="1" dirty="0" smtClean="0"/>
+              <a:t>15 Hz </a:t>
             </a:r>
             <a:r>
               <a:rPr lang="en-US" sz="4800" b="1" dirty="0"/>
-              <a:t>Rates</a:t>
+              <a:t>Excitatory </a:t>
+            </a:r>
+            <a:r>
+              <a:rPr lang="en-US" sz="4800" b="1" dirty="0" smtClean="0"/>
+              <a:t>Rate</a:t>
             </a:r>
             <a:endParaRPr lang="en-US" sz="4800" b="1" dirty="0" smtClean="0"/>
           </a:p>
           <a:p>
             <a:pPr algn="ctr"/>
-            <a:r>
-              <a:rPr lang="en-US" sz="4800" b="1" dirty="0" smtClean="0"/>
-              <a:t>High Inhibitory </a:t>
-            </a:r>
-            <a:r>
-              <a:rPr lang="en-US" sz="4800" b="1" dirty="0" smtClean="0"/>
-              <a:t>Rates</a:t>
-            </a:r>
-          </a:p>
-          <a:p>
-            <a:pPr algn="ctr"/>
-            <a:endParaRPr lang="en-US" sz="4800" b="1" dirty="0"/>
-          </a:p>
-          <a:p>
-            <a:pPr algn="ctr"/>
-            <a:r>
-              <a:rPr lang="en-US" sz="4800" b="1" dirty="0" smtClean="0"/>
-              <a:t>702 Excitatory Synapses</a:t>
-            </a:r>
-          </a:p>
-          <a:p>
-            <a:pPr algn="ctr"/>
-            <a:r>
-              <a:rPr lang="en-US" sz="4800" b="1" dirty="0" smtClean="0"/>
-              <a:t>5 Hz Spike Rates</a:t>
-            </a:r>
-          </a:p>
-          <a:p>
-            <a:pPr algn="ctr"/>
-            <a:r>
-              <a:rPr lang="en-US" sz="4800" b="1" dirty="0" smtClean="0"/>
-              <a:t>104 </a:t>
+            <a:endParaRPr lang="en-US" sz="4800" b="1" dirty="0" smtClean="0"/>
+          </a:p>
+          <a:p>
+            <a:pPr algn="ctr"/>
+            <a:r>
+              <a:rPr lang="en-US" sz="4800" b="1" dirty="0" smtClean="0"/>
+              <a:t>256 Inhibitory Synapses</a:t>
+            </a:r>
+          </a:p>
+          <a:p>
+            <a:pPr algn="ctr"/>
+            <a:r>
+              <a:rPr lang="en-US" sz="4800" b="1" dirty="0" smtClean="0"/>
+              <a:t>80 Hz </a:t>
             </a:r>
             <a:r>
               <a:rPr lang="en-US" sz="4800" b="1" dirty="0"/>
-              <a:t>Inhibitory Synapses</a:t>
-            </a:r>
-          </a:p>
-          <a:p>
-            <a:pPr algn="ctr"/>
-            <a:r>
-              <a:rPr lang="en-US" sz="4800" b="1" dirty="0" smtClean="0"/>
-              <a:t>70 Hz Spike Rates</a:t>
+              <a:t>Inhibitory </a:t>
+            </a:r>
+            <a:r>
+              <a:rPr lang="en-US" sz="4800" b="1" dirty="0" smtClean="0"/>
+              <a:t>Rate</a:t>
             </a:r>
             <a:endParaRPr lang="en-US" sz="4800" b="1" dirty="0" smtClean="0"/>
           </a:p>
@@ -4592,14 +4633,14 @@
       </p:sp>
       <p:sp>
         <p:nvSpPr>
-          <p:cNvPr id="65" name="TextBox 64"/>
+          <p:cNvPr id="69" name="TextBox 68"/>
           <p:cNvSpPr txBox="1"/>
           <p:nvPr/>
         </p:nvSpPr>
         <p:spPr>
           <a:xfrm>
-            <a:off x="1184389" y="21759992"/>
-            <a:ext cx="6274282" cy="5262979"/>
+            <a:off x="14718565" y="21779864"/>
+            <a:ext cx="6274282" cy="4524315"/>
           </a:xfrm>
           <a:prstGeom prst="rect">
             <a:avLst/>
@@ -4613,80 +4654,70 @@
           <a:lstStyle/>
           <a:p>
             <a:pPr algn="ctr"/>
-            <a:r>
-              <a:rPr lang="en-US" sz="4800" b="1" dirty="0" smtClean="0"/>
-              <a:t>Low Excitatory </a:t>
+            <a:endParaRPr lang="en-US" sz="4800" b="1" dirty="0"/>
+          </a:p>
+          <a:p>
+            <a:pPr algn="ctr"/>
+            <a:r>
+              <a:rPr lang="en-US" sz="4800" b="1" dirty="0" smtClean="0"/>
+              <a:t>630 Excitatory Synapses</a:t>
+            </a:r>
+          </a:p>
+          <a:p>
+            <a:pPr algn="ctr"/>
+            <a:r>
+              <a:rPr lang="en-US" sz="4800" b="1" dirty="0" smtClean="0"/>
+              <a:t>5 Hz </a:t>
             </a:r>
             <a:r>
               <a:rPr lang="en-US" sz="4800" b="1" dirty="0"/>
-              <a:t>Rates</a:t>
+              <a:t>Excitatory </a:t>
+            </a:r>
+            <a:r>
+              <a:rPr lang="en-US" sz="4800" b="1" dirty="0" smtClean="0"/>
+              <a:t>Rate</a:t>
             </a:r>
             <a:endParaRPr lang="en-US" sz="4800" b="1" dirty="0" smtClean="0"/>
           </a:p>
           <a:p>
             <a:pPr algn="ctr"/>
-            <a:r>
-              <a:rPr lang="en-US" sz="4800" b="1" dirty="0" smtClean="0"/>
-              <a:t>Low Inhibitory </a:t>
-            </a:r>
-            <a:r>
-              <a:rPr lang="en-US" sz="4800" b="1" dirty="0" smtClean="0"/>
-              <a:t>Rates</a:t>
-            </a:r>
-          </a:p>
-          <a:p>
-            <a:pPr algn="ctr"/>
             <a:endParaRPr lang="en-US" sz="4800" b="1" dirty="0" smtClean="0"/>
           </a:p>
           <a:p>
             <a:pPr algn="ctr"/>
             <a:r>
               <a:rPr lang="en-US" sz="4800" b="1" dirty="0" smtClean="0"/>
-              <a:t>144 Excitatory Synapses</a:t>
-            </a:r>
-          </a:p>
-          <a:p>
-            <a:pPr algn="ctr"/>
+              <a:t>180 Inhibitory Synapses</a:t>
+            </a:r>
+          </a:p>
+          <a:p>
+            <a:pPr algn="ctr"/>
+            <a:r>
+              <a:rPr lang="en-US" sz="4800" b="1" dirty="0" smtClean="0"/>
+              <a:t>40 Hz </a:t>
+            </a:r>
             <a:r>
               <a:rPr lang="en-US" sz="4800" b="1" dirty="0"/>
-              <a:t>5 Hz </a:t>
-            </a:r>
-            <a:r>
-              <a:rPr lang="en-US" sz="4800" b="1" dirty="0" smtClean="0"/>
-              <a:t>Spike Rates</a:t>
-            </a:r>
-            <a:endParaRPr lang="en-US" sz="4800" b="1" dirty="0"/>
-          </a:p>
-          <a:p>
-            <a:pPr algn="ctr"/>
-            <a:r>
-              <a:rPr lang="en-US" sz="4800" b="1" dirty="0" smtClean="0"/>
-              <a:t>8 </a:t>
-            </a:r>
-            <a:r>
-              <a:rPr lang="en-US" sz="4800" b="1" dirty="0"/>
-              <a:t>Inhibitory Synapses</a:t>
-            </a:r>
-          </a:p>
-          <a:p>
-            <a:pPr algn="ctr"/>
-            <a:r>
-              <a:rPr lang="en-US" sz="4800" b="1" dirty="0" smtClean="0"/>
-              <a:t>50 Hz Spike Rates</a:t>
-            </a:r>
-          </a:p>
-        </p:txBody>
-      </p:sp>
-      <p:sp>
-        <p:nvSpPr>
-          <p:cNvPr id="66" name="TextBox 65"/>
+              <a:t>Inhibitory </a:t>
+            </a:r>
+            <a:r>
+              <a:rPr lang="en-US" sz="4800" b="1" dirty="0" smtClean="0"/>
+              <a:t>Rate</a:t>
+            </a:r>
+            <a:endParaRPr lang="en-US" sz="4800" b="1" dirty="0" smtClean="0"/>
+          </a:p>
+        </p:txBody>
+      </p:sp>
+      <p:sp>
+        <p:nvSpPr>
+          <p:cNvPr id="70" name="TextBox 69"/>
           <p:cNvSpPr txBox="1"/>
           <p:nvPr/>
         </p:nvSpPr>
         <p:spPr>
           <a:xfrm>
-            <a:off x="1336719" y="15036887"/>
-            <a:ext cx="5961696" cy="5262979"/>
+            <a:off x="14715224" y="15042472"/>
+            <a:ext cx="6274282" cy="4524315"/>
           </a:xfrm>
           <a:prstGeom prst="rect">
             <a:avLst/>
@@ -4700,367 +4731,6 @@
           <a:lstStyle/>
           <a:p>
             <a:pPr algn="ctr"/>
-            <a:r>
-              <a:rPr lang="en-US" sz="4800" b="1" dirty="0" smtClean="0"/>
-              <a:t>High Excitatory </a:t>
-            </a:r>
-            <a:r>
-              <a:rPr lang="en-US" sz="4800" b="1" dirty="0"/>
-              <a:t>Rates</a:t>
-            </a:r>
-            <a:endParaRPr lang="en-US" sz="4800" b="1" dirty="0" smtClean="0"/>
-          </a:p>
-          <a:p>
-            <a:pPr algn="ctr"/>
-            <a:r>
-              <a:rPr lang="en-US" sz="4800" b="1" dirty="0" smtClean="0"/>
-              <a:t>Low Inhibitory </a:t>
-            </a:r>
-            <a:r>
-              <a:rPr lang="en-US" sz="4800" b="1" dirty="0"/>
-              <a:t>Rates</a:t>
-            </a:r>
-            <a:endParaRPr lang="en-US" sz="4800" b="1" dirty="0" smtClean="0"/>
-          </a:p>
-          <a:p>
-            <a:pPr algn="ctr"/>
-            <a:endParaRPr lang="en-US" sz="4800" b="1" dirty="0"/>
-          </a:p>
-          <a:p>
-            <a:pPr algn="ctr"/>
-            <a:r>
-              <a:rPr lang="en-US" sz="4800" b="1" dirty="0" smtClean="0"/>
-              <a:t>18 Excitatory Synapses</a:t>
-            </a:r>
-          </a:p>
-          <a:p>
-            <a:pPr algn="ctr"/>
-            <a:r>
-              <a:rPr lang="en-US" sz="4800" b="1" dirty="0" smtClean="0"/>
-              <a:t>30 Hz Spike Rates</a:t>
-            </a:r>
-          </a:p>
-          <a:p>
-            <a:pPr algn="ctr"/>
-            <a:r>
-              <a:rPr lang="en-US" sz="4800" b="1" dirty="0" smtClean="0"/>
-              <a:t>12 Inhibitory Synapses</a:t>
-            </a:r>
-          </a:p>
-          <a:p>
-            <a:pPr algn="ctr"/>
-            <a:r>
-              <a:rPr lang="en-US" sz="4800" b="1" dirty="0" smtClean="0"/>
-              <a:t>50 Hz Spike Rates</a:t>
-            </a:r>
-            <a:endParaRPr lang="en-US" sz="4800" b="1" dirty="0"/>
-          </a:p>
-        </p:txBody>
-      </p:sp>
-      <p:sp>
-        <p:nvSpPr>
-          <p:cNvPr id="67" name="TextBox 66"/>
-          <p:cNvSpPr txBox="1"/>
-          <p:nvPr/>
-        </p:nvSpPr>
-        <p:spPr>
-          <a:xfrm>
-            <a:off x="21359821" y="14998749"/>
-            <a:ext cx="6274282" cy="5262979"/>
-          </a:xfrm>
-          <a:prstGeom prst="rect">
-            <a:avLst/>
-          </a:prstGeom>
-          <a:noFill/>
-        </p:spPr>
-        <p:txBody>
-          <a:bodyPr wrap="none" rtlCol="0">
-            <a:spAutoFit/>
-          </a:bodyPr>
-          <a:lstStyle/>
-          <a:p>
-            <a:pPr algn="ctr"/>
-            <a:r>
-              <a:rPr lang="en-US" sz="4800" b="1" dirty="0" smtClean="0"/>
-              <a:t>High Excitatory </a:t>
-            </a:r>
-            <a:r>
-              <a:rPr lang="en-US" sz="4800" b="1" dirty="0"/>
-              <a:t>Rates</a:t>
-            </a:r>
-            <a:endParaRPr lang="en-US" sz="4800" b="1" dirty="0" smtClean="0"/>
-          </a:p>
-          <a:p>
-            <a:pPr algn="ctr"/>
-            <a:r>
-              <a:rPr lang="en-US" sz="4800" b="1" dirty="0" smtClean="0"/>
-              <a:t>High Inhibitory </a:t>
-            </a:r>
-            <a:r>
-              <a:rPr lang="en-US" sz="4800" b="1" dirty="0"/>
-              <a:t>Rates</a:t>
-            </a:r>
-            <a:endParaRPr lang="en-US" sz="4800" b="1" dirty="0" smtClean="0"/>
-          </a:p>
-          <a:p>
-            <a:pPr algn="ctr"/>
-            <a:endParaRPr lang="en-US" sz="4800" b="1" dirty="0"/>
-          </a:p>
-          <a:p>
-            <a:pPr algn="ctr"/>
-            <a:r>
-              <a:rPr lang="en-US" sz="4800" b="1" dirty="0"/>
-              <a:t>342 Excitatory Synapses</a:t>
-            </a:r>
-            <a:endParaRPr lang="en-US" sz="4800" b="1" dirty="0" smtClean="0"/>
-          </a:p>
-          <a:p>
-            <a:pPr algn="ctr"/>
-            <a:r>
-              <a:rPr lang="en-US" sz="4800" b="1" dirty="0" smtClean="0"/>
-              <a:t>25 Hz </a:t>
-            </a:r>
-            <a:r>
-              <a:rPr lang="en-US" sz="4800" b="1" dirty="0"/>
-              <a:t>Spike </a:t>
-            </a:r>
-            <a:r>
-              <a:rPr lang="en-US" sz="4800" b="1" dirty="0" smtClean="0"/>
-              <a:t>Rates</a:t>
-            </a:r>
-          </a:p>
-          <a:p>
-            <a:pPr algn="ctr"/>
-            <a:r>
-              <a:rPr lang="en-US" sz="4800" b="1" dirty="0"/>
-              <a:t>200 Inhibitory Synapses</a:t>
-            </a:r>
-            <a:endParaRPr lang="en-US" sz="4800" b="1" dirty="0" smtClean="0"/>
-          </a:p>
-          <a:p>
-            <a:pPr algn="ctr"/>
-            <a:r>
-              <a:rPr lang="en-US" sz="4800" b="1" dirty="0" smtClean="0"/>
-              <a:t>90 Hz </a:t>
-            </a:r>
-            <a:r>
-              <a:rPr lang="en-US" sz="4800" b="1" dirty="0"/>
-              <a:t>Spike </a:t>
-            </a:r>
-            <a:r>
-              <a:rPr lang="en-US" sz="4800" b="1" dirty="0" smtClean="0"/>
-              <a:t>Rates</a:t>
-            </a:r>
-            <a:endParaRPr lang="en-US" sz="4800" b="1" dirty="0"/>
-          </a:p>
-        </p:txBody>
-      </p:sp>
-      <p:sp>
-        <p:nvSpPr>
-          <p:cNvPr id="68" name="TextBox 67"/>
-          <p:cNvSpPr txBox="1"/>
-          <p:nvPr/>
-        </p:nvSpPr>
-        <p:spPr>
-          <a:xfrm>
-            <a:off x="21359821" y="21753839"/>
-            <a:ext cx="6274282" cy="5262979"/>
-          </a:xfrm>
-          <a:prstGeom prst="rect">
-            <a:avLst/>
-          </a:prstGeom>
-          <a:noFill/>
-        </p:spPr>
-        <p:txBody>
-          <a:bodyPr wrap="none" rtlCol="0">
-            <a:spAutoFit/>
-          </a:bodyPr>
-          <a:lstStyle/>
-          <a:p>
-            <a:pPr algn="ctr"/>
-            <a:r>
-              <a:rPr lang="en-US" sz="4800" b="1" dirty="0" smtClean="0"/>
-              <a:t>Low Excitatory </a:t>
-            </a:r>
-            <a:r>
-              <a:rPr lang="en-US" sz="4800" b="1" dirty="0"/>
-              <a:t>Rates</a:t>
-            </a:r>
-            <a:endParaRPr lang="en-US" sz="4800" b="1" dirty="0" smtClean="0"/>
-          </a:p>
-          <a:p>
-            <a:pPr algn="ctr"/>
-            <a:r>
-              <a:rPr lang="en-US" sz="4800" b="1" dirty="0" smtClean="0"/>
-              <a:t>High Inhibitory </a:t>
-            </a:r>
-            <a:r>
-              <a:rPr lang="en-US" sz="4800" b="1" dirty="0"/>
-              <a:t>Rates</a:t>
-            </a:r>
-            <a:endParaRPr lang="en-US" sz="4800" b="1" dirty="0" smtClean="0"/>
-          </a:p>
-          <a:p>
-            <a:pPr algn="ctr"/>
-            <a:endParaRPr lang="en-US" sz="4800" b="1" dirty="0"/>
-          </a:p>
-          <a:p>
-            <a:pPr algn="ctr"/>
-            <a:r>
-              <a:rPr lang="en-US" sz="4800" b="1" dirty="0" smtClean="0"/>
-              <a:t>702 Excitatory Synapses</a:t>
-            </a:r>
-          </a:p>
-          <a:p>
-            <a:pPr algn="ctr"/>
-            <a:r>
-              <a:rPr lang="en-US" sz="4800" b="1" dirty="0" smtClean="0"/>
-              <a:t>15 Hz Spike Rates</a:t>
-            </a:r>
-          </a:p>
-          <a:p>
-            <a:pPr algn="ctr"/>
-            <a:r>
-              <a:rPr lang="en-US" sz="4800" b="1" dirty="0" smtClean="0"/>
-              <a:t>256 Inhibitory Synapses</a:t>
-            </a:r>
-          </a:p>
-          <a:p>
-            <a:pPr algn="ctr"/>
-            <a:r>
-              <a:rPr lang="en-US" sz="4800" b="1" dirty="0" smtClean="0"/>
-              <a:t>80 Hz Spike Rates</a:t>
-            </a:r>
-            <a:endParaRPr lang="en-US" sz="4800" b="1" dirty="0" smtClean="0"/>
-          </a:p>
-        </p:txBody>
-      </p:sp>
-      <p:sp>
-        <p:nvSpPr>
-          <p:cNvPr id="69" name="TextBox 68"/>
-          <p:cNvSpPr txBox="1"/>
-          <p:nvPr/>
-        </p:nvSpPr>
-        <p:spPr>
-          <a:xfrm>
-            <a:off x="14718565" y="21779864"/>
-            <a:ext cx="6274282" cy="5262979"/>
-          </a:xfrm>
-          <a:prstGeom prst="rect">
-            <a:avLst/>
-          </a:prstGeom>
-          <a:noFill/>
-        </p:spPr>
-        <p:txBody>
-          <a:bodyPr wrap="none" rtlCol="0">
-            <a:spAutoFit/>
-          </a:bodyPr>
-          <a:lstStyle/>
-          <a:p>
-            <a:pPr algn="ctr"/>
-            <a:r>
-              <a:rPr lang="en-US" sz="4800" b="1" dirty="0" smtClean="0"/>
-              <a:t>Low Excitatory </a:t>
-            </a:r>
-            <a:r>
-              <a:rPr lang="en-US" sz="4800" b="1" dirty="0"/>
-              <a:t>Rates</a:t>
-            </a:r>
-            <a:endParaRPr lang="en-US" sz="4800" b="1" dirty="0" smtClean="0"/>
-          </a:p>
-          <a:p>
-            <a:pPr algn="ctr"/>
-            <a:r>
-              <a:rPr lang="en-US" sz="4800" b="1" dirty="0" smtClean="0"/>
-              <a:t>Low Inhibitory </a:t>
-            </a:r>
-            <a:r>
-              <a:rPr lang="en-US" sz="4800" b="1" dirty="0" smtClean="0"/>
-              <a:t>Rates</a:t>
-            </a:r>
-          </a:p>
-          <a:p>
-            <a:pPr algn="ctr"/>
-            <a:endParaRPr lang="en-US" sz="4800" b="1" dirty="0"/>
-          </a:p>
-          <a:p>
-            <a:pPr algn="ctr"/>
-            <a:r>
-              <a:rPr lang="en-US" sz="4800" b="1" dirty="0" smtClean="0"/>
-              <a:t>630 Excitatory Synapses</a:t>
-            </a:r>
-          </a:p>
-          <a:p>
-            <a:pPr algn="ctr"/>
-            <a:r>
-              <a:rPr lang="en-US" sz="4800" b="1" dirty="0" smtClean="0"/>
-              <a:t>5 Hz Spike Rates</a:t>
-            </a:r>
-          </a:p>
-          <a:p>
-            <a:pPr algn="ctr"/>
-            <a:r>
-              <a:rPr lang="en-US" sz="4800" b="1" dirty="0" smtClean="0"/>
-              <a:t>180 Inhibitory Synapses</a:t>
-            </a:r>
-          </a:p>
-          <a:p>
-            <a:pPr algn="ctr"/>
-            <a:r>
-              <a:rPr lang="en-US" sz="4800" b="1" dirty="0" smtClean="0"/>
-              <a:t>40 Hz Spike Rates</a:t>
-            </a:r>
-            <a:endParaRPr lang="en-US" sz="4800" b="1" dirty="0" smtClean="0"/>
-          </a:p>
-        </p:txBody>
-      </p:sp>
-      <p:sp>
-        <p:nvSpPr>
-          <p:cNvPr id="70" name="TextBox 69"/>
-          <p:cNvSpPr txBox="1"/>
-          <p:nvPr/>
-        </p:nvSpPr>
-        <p:spPr>
-          <a:xfrm>
-            <a:off x="14715224" y="15042472"/>
-            <a:ext cx="6274282" cy="5262979"/>
-          </a:xfrm>
-          <a:prstGeom prst="rect">
-            <a:avLst/>
-          </a:prstGeom>
-          <a:noFill/>
-        </p:spPr>
-        <p:txBody>
-          <a:bodyPr wrap="none" rtlCol="0">
-            <a:spAutoFit/>
-          </a:bodyPr>
-          <a:lstStyle/>
-          <a:p>
-            <a:pPr algn="ctr"/>
-            <a:r>
-              <a:rPr lang="en-US" sz="4800" b="1" dirty="0" smtClean="0"/>
-              <a:t>High Excitatory </a:t>
-            </a:r>
-            <a:r>
-              <a:rPr lang="en-US" sz="4800" b="1" dirty="0"/>
-              <a:t>Rates</a:t>
-            </a:r>
-            <a:endParaRPr lang="en-US" sz="4800" b="1" dirty="0" smtClean="0"/>
-          </a:p>
-          <a:p>
-            <a:pPr algn="ctr"/>
-            <a:r>
-              <a:rPr lang="en-US" sz="4800" b="1" dirty="0" smtClean="0"/>
-              <a:t>Low Inhibitory </a:t>
-            </a:r>
-            <a:r>
-              <a:rPr lang="en-US" sz="4800" b="1" dirty="0"/>
-              <a:t>Rates</a:t>
-            </a:r>
-            <a:endParaRPr lang="en-US" sz="4800" b="1" dirty="0" smtClean="0"/>
-          </a:p>
-          <a:p>
-            <a:pPr algn="ctr"/>
             <a:endParaRPr lang="en-US" sz="4800" b="1" dirty="0"/>
           </a:p>
           <a:p>
@@ -5079,12 +4749,17 @@
             </a:r>
             <a:r>
               <a:rPr lang="en-US" sz="4800" b="1" dirty="0"/>
-              <a:t>Spike </a:t>
-            </a:r>
-            <a:r>
-              <a:rPr lang="en-US" sz="4800" b="1" dirty="0" smtClean="0"/>
-              <a:t>Rates</a:t>
-            </a:r>
+              <a:t>Excitatory </a:t>
+            </a:r>
+            <a:r>
+              <a:rPr lang="en-US" sz="4800" b="1" dirty="0" smtClean="0"/>
+              <a:t>Rate</a:t>
+            </a:r>
+            <a:endParaRPr lang="en-US" sz="4800" b="1" dirty="0" smtClean="0"/>
+          </a:p>
+          <a:p>
+            <a:pPr algn="ctr"/>
+            <a:endParaRPr lang="en-US" sz="4800" b="1" dirty="0" smtClean="0"/>
           </a:p>
           <a:p>
             <a:pPr algn="ctr"/>
@@ -5102,11 +4777,11 @@
             </a:r>
             <a:r>
               <a:rPr lang="en-US" sz="4800" b="1" dirty="0"/>
-              <a:t>Spike </a:t>
-            </a:r>
-            <a:r>
-              <a:rPr lang="en-US" sz="4800" b="1" dirty="0" smtClean="0"/>
-              <a:t>Rates</a:t>
+              <a:t>Inhibitory </a:t>
+            </a:r>
+            <a:r>
+              <a:rPr lang="en-US" sz="4800" b="1" dirty="0" smtClean="0"/>
+              <a:t>Rate</a:t>
             </a:r>
             <a:endParaRPr lang="en-US" sz="4800" b="1" dirty="0"/>
           </a:p>
@@ -5564,7 +5239,7 @@
   <a:extraClrSchemeLst/>
   <a:extLst>
     <a:ext uri="{05A4C25C-085E-4340-85A3-A5531E510DB2}">
-      <thm15:themeFamily xmlns:thm15="http://schemas.microsoft.com/office/thememl/2012/main" name="Office Theme" id="{62F939B6-93AF-4DB8-9C6B-D6C7DFDC589F}" vid="{4A3C46E8-61CC-4603-A589-7422A47A8E4A}"/>
+      <thm15:themeFamily xmlns:thm15="http://schemas.microsoft.com/office/thememl/2012/main" xmlns="" name="Office Theme" id="{62F939B6-93AF-4DB8-9C6B-D6C7DFDC589F}" vid="{4A3C46E8-61CC-4603-A589-7422A47A8E4A}"/>
     </a:ext>
   </a:extLst>
 </a:theme>
